--- a/Progress Report.pptx
+++ b/Progress Report.pptx
@@ -27302,6 +27302,10 @@
             <a:pPr marL="0" indent="0">
               <a:buNone/>
             </a:pPr>
+            <a:r>
+              <a:rPr lang="en-US"/>
+              <a:t>Baraa is a nerd</a:t>
+            </a:r>
             <a:endParaRPr lang="en-US" dirty="0"/>
           </a:p>
         </p:txBody>
@@ -31321,20 +31325,20 @@
 </file>
 
 <file path=customXml/item1.xml><?xml version="1.0" encoding="utf-8"?>
+<p:properties xmlns:p="http://schemas.microsoft.com/office/2006/metadata/properties" xmlns:xsi="http://www.w3.org/2001/XMLSchema-instance" xmlns:pc="http://schemas.microsoft.com/office/infopath/2007/PartnerControls">
+  <documentManagement>
+    <MediaServiceKeyPoints xmlns="71af3243-3dd4-4a8d-8c0d-dd76da1f02a5" xsi:nil="true"/>
+  </documentManagement>
+</p:properties>
+</file>
+
+<file path=customXml/item2.xml><?xml version="1.0" encoding="utf-8"?>
 <?mso-contentType ?>
 <FormTemplates xmlns="http://schemas.microsoft.com/sharepoint/v3/contenttype/forms">
   <Display>DocumentLibraryForm</Display>
   <Edit>DocumentLibraryForm</Edit>
   <New>DocumentLibraryForm</New>
 </FormTemplates>
-</file>
-
-<file path=customXml/item2.xml><?xml version="1.0" encoding="utf-8"?>
-<p:properties xmlns:p="http://schemas.microsoft.com/office/2006/metadata/properties" xmlns:xsi="http://www.w3.org/2001/XMLSchema-instance" xmlns:pc="http://schemas.microsoft.com/office/infopath/2007/PartnerControls">
-  <documentManagement>
-    <MediaServiceKeyPoints xmlns="71af3243-3dd4-4a8d-8c0d-dd76da1f02a5" xsi:nil="true"/>
-  </documentManagement>
-</p:properties>
 </file>
 
 <file path=customXml/item3.xml><?xml version="1.0" encoding="utf-8"?>
@@ -31549,19 +31553,19 @@
 </file>
 
 <file path=customXml/itemProps1.xml><?xml version="1.0" encoding="utf-8"?>
-<ds:datastoreItem xmlns:ds="http://schemas.openxmlformats.org/officeDocument/2006/customXml" ds:itemID="{5B26E0C9-B2AA-42E6-97B6-E1B7D9EAF129}">
+<ds:datastoreItem xmlns:ds="http://schemas.openxmlformats.org/officeDocument/2006/customXml" ds:itemID="{F5757914-1161-4661-9696-421FD6935CDD}">
   <ds:schemaRefs>
-    <ds:schemaRef ds:uri="http://schemas.microsoft.com/sharepoint/v3/contenttype/forms"/>
+    <ds:schemaRef ds:uri="http://schemas.microsoft.com/office/2006/metadata/properties"/>
+    <ds:schemaRef ds:uri="http://schemas.microsoft.com/office/infopath/2007/PartnerControls"/>
+    <ds:schemaRef ds:uri="71af3243-3dd4-4a8d-8c0d-dd76da1f02a5"/>
   </ds:schemaRefs>
 </ds:datastoreItem>
 </file>
 
 <file path=customXml/itemProps2.xml><?xml version="1.0" encoding="utf-8"?>
-<ds:datastoreItem xmlns:ds="http://schemas.openxmlformats.org/officeDocument/2006/customXml" ds:itemID="{F5757914-1161-4661-9696-421FD6935CDD}">
+<ds:datastoreItem xmlns:ds="http://schemas.openxmlformats.org/officeDocument/2006/customXml" ds:itemID="{5B26E0C9-B2AA-42E6-97B6-E1B7D9EAF129}">
   <ds:schemaRefs>
-    <ds:schemaRef ds:uri="http://schemas.microsoft.com/office/2006/metadata/properties"/>
-    <ds:schemaRef ds:uri="http://schemas.microsoft.com/office/infopath/2007/PartnerControls"/>
-    <ds:schemaRef ds:uri="71af3243-3dd4-4a8d-8c0d-dd76da1f02a5"/>
+    <ds:schemaRef ds:uri="http://schemas.microsoft.com/sharepoint/v3/contenttype/forms"/>
   </ds:schemaRefs>
 </ds:datastoreItem>
 </file>

--- a/Progress Report.pptx
+++ b/Progress Report.pptx
@@ -27302,10 +27302,6 @@
             <a:pPr marL="0" indent="0">
               <a:buNone/>
             </a:pPr>
-            <a:r>
-              <a:rPr lang="en-US"/>
-              <a:t>Baraa is a nerd</a:t>
-            </a:r>
             <a:endParaRPr lang="en-US" dirty="0"/>
           </a:p>
         </p:txBody>
